--- a/docs/Scree Space Ray Tracing.pptx
+++ b/docs/Scree Space Ray Tracing.pptx
@@ -296,7 +296,7 @@
           <a:p>
             <a:fld id="{ACF5258E-2B01-404D-9C9F-60EACF2531FD}" type="datetimeFigureOut">
               <a:rPr kumimoji="1" lang="ja-JP" altLang="en-US" smtClean="0"/>
-              <a:t>2017/11/8</a:t>
+              <a:t>2017/11/9</a:t>
             </a:fld>
             <a:endParaRPr kumimoji="1" lang="ja-JP" altLang="en-US"/>
           </a:p>
@@ -498,7 +498,7 @@
           <a:p>
             <a:fld id="{ACF5258E-2B01-404D-9C9F-60EACF2531FD}" type="datetimeFigureOut">
               <a:rPr kumimoji="1" lang="ja-JP" altLang="en-US" smtClean="0"/>
-              <a:t>2017/11/8</a:t>
+              <a:t>2017/11/9</a:t>
             </a:fld>
             <a:endParaRPr kumimoji="1" lang="ja-JP" altLang="en-US"/>
           </a:p>
@@ -710,7 +710,7 @@
           <a:p>
             <a:fld id="{ACF5258E-2B01-404D-9C9F-60EACF2531FD}" type="datetimeFigureOut">
               <a:rPr kumimoji="1" lang="ja-JP" altLang="en-US" smtClean="0"/>
-              <a:t>2017/11/8</a:t>
+              <a:t>2017/11/9</a:t>
             </a:fld>
             <a:endParaRPr kumimoji="1" lang="ja-JP" altLang="en-US"/>
           </a:p>
@@ -912,7 +912,7 @@
           <a:p>
             <a:fld id="{ACF5258E-2B01-404D-9C9F-60EACF2531FD}" type="datetimeFigureOut">
               <a:rPr kumimoji="1" lang="ja-JP" altLang="en-US" smtClean="0"/>
-              <a:t>2017/11/8</a:t>
+              <a:t>2017/11/9</a:t>
             </a:fld>
             <a:endParaRPr kumimoji="1" lang="ja-JP" altLang="en-US"/>
           </a:p>
@@ -1158,7 +1158,7 @@
           <a:p>
             <a:fld id="{ACF5258E-2B01-404D-9C9F-60EACF2531FD}" type="datetimeFigureOut">
               <a:rPr kumimoji="1" lang="ja-JP" altLang="en-US" smtClean="0"/>
-              <a:t>2017/11/8</a:t>
+              <a:t>2017/11/9</a:t>
             </a:fld>
             <a:endParaRPr kumimoji="1" lang="ja-JP" altLang="en-US"/>
           </a:p>
@@ -1510,7 +1510,7 @@
           <a:p>
             <a:fld id="{ACF5258E-2B01-404D-9C9F-60EACF2531FD}" type="datetimeFigureOut">
               <a:rPr kumimoji="1" lang="ja-JP" altLang="en-US" smtClean="0"/>
-              <a:t>2017/11/8</a:t>
+              <a:t>2017/11/9</a:t>
             </a:fld>
             <a:endParaRPr kumimoji="1" lang="ja-JP" altLang="en-US"/>
           </a:p>
@@ -1996,7 +1996,7 @@
           <a:p>
             <a:fld id="{ACF5258E-2B01-404D-9C9F-60EACF2531FD}" type="datetimeFigureOut">
               <a:rPr kumimoji="1" lang="ja-JP" altLang="en-US" smtClean="0"/>
-              <a:t>2017/11/8</a:t>
+              <a:t>2017/11/9</a:t>
             </a:fld>
             <a:endParaRPr kumimoji="1" lang="ja-JP" altLang="en-US"/>
           </a:p>
@@ -2114,7 +2114,7 @@
           <a:p>
             <a:fld id="{ACF5258E-2B01-404D-9C9F-60EACF2531FD}" type="datetimeFigureOut">
               <a:rPr kumimoji="1" lang="ja-JP" altLang="en-US" smtClean="0"/>
-              <a:t>2017/11/8</a:t>
+              <a:t>2017/11/9</a:t>
             </a:fld>
             <a:endParaRPr kumimoji="1" lang="ja-JP" altLang="en-US"/>
           </a:p>
@@ -2209,7 +2209,7 @@
           <a:p>
             <a:fld id="{ACF5258E-2B01-404D-9C9F-60EACF2531FD}" type="datetimeFigureOut">
               <a:rPr kumimoji="1" lang="ja-JP" altLang="en-US" smtClean="0"/>
-              <a:t>2017/11/8</a:t>
+              <a:t>2017/11/9</a:t>
             </a:fld>
             <a:endParaRPr kumimoji="1" lang="ja-JP" altLang="en-US"/>
           </a:p>
@@ -2518,7 +2518,7 @@
           <a:p>
             <a:fld id="{ACF5258E-2B01-404D-9C9F-60EACF2531FD}" type="datetimeFigureOut">
               <a:rPr kumimoji="1" lang="ja-JP" altLang="en-US" smtClean="0"/>
-              <a:t>2017/11/8</a:t>
+              <a:t>2017/11/9</a:t>
             </a:fld>
             <a:endParaRPr kumimoji="1" lang="ja-JP" altLang="en-US"/>
           </a:p>
@@ -2771,7 +2771,7 @@
           <a:p>
             <a:fld id="{ACF5258E-2B01-404D-9C9F-60EACF2531FD}" type="datetimeFigureOut">
               <a:rPr kumimoji="1" lang="ja-JP" altLang="en-US" smtClean="0"/>
-              <a:t>2017/11/8</a:t>
+              <a:t>2017/11/9</a:t>
             </a:fld>
             <a:endParaRPr kumimoji="1" lang="ja-JP" altLang="en-US"/>
           </a:p>
@@ -3016,7 +3016,7 @@
           <a:p>
             <a:fld id="{ACF5258E-2B01-404D-9C9F-60EACF2531FD}" type="datetimeFigureOut">
               <a:rPr kumimoji="1" lang="ja-JP" altLang="en-US" smtClean="0"/>
-              <a:t>2017/11/8</a:t>
+              <a:t>2017/11/9</a:t>
             </a:fld>
             <a:endParaRPr kumimoji="1" lang="ja-JP" altLang="en-US"/>
           </a:p>
@@ -3513,8 +3513,51 @@
         </p:nvSpPr>
         <p:spPr/>
         <p:txBody>
-          <a:bodyPr/>
-          <a:lstStyle/>
+          <a:bodyPr>
+            <a:normAutofit fontScale="92500" lnSpcReduction="20000"/>
+          </a:bodyPr>
+          <a:lstStyle/>
+          <a:p>
+            <a:r>
+              <a:rPr kumimoji="1" lang="en-US" altLang="ja-JP" dirty="0" smtClean="0"/>
+              <a:t>Object ID</a:t>
+            </a:r>
+            <a:r>
+              <a:rPr lang="ja-JP" altLang="en-US" dirty="0"/>
+              <a:t>（</a:t>
+            </a:r>
+            <a:r>
+              <a:rPr lang="en-US" altLang="ja-JP" dirty="0" err="1"/>
+              <a:t>uint</a:t>
+            </a:r>
+            <a:r>
+              <a:rPr lang="en-US" altLang="ja-JP" dirty="0"/>
+              <a:t>)</a:t>
+            </a:r>
+          </a:p>
+          <a:p>
+            <a:pPr lvl="1"/>
+            <a:r>
+              <a:rPr kumimoji="1" lang="ja-JP" altLang="en-US" dirty="0" smtClean="0"/>
+              <a:t>ヒットしたオブジェクト</a:t>
+            </a:r>
+            <a:r>
+              <a:rPr kumimoji="1" lang="en-US" altLang="ja-JP" dirty="0" smtClean="0"/>
+              <a:t>ID</a:t>
+            </a:r>
+          </a:p>
+          <a:p>
+            <a:pPr lvl="2"/>
+            <a:r>
+              <a:rPr lang="en-US" altLang="ja-JP" dirty="0" smtClean="0"/>
+              <a:t>L2W</a:t>
+            </a:r>
+            <a:r>
+              <a:rPr lang="ja-JP" altLang="en-US" dirty="0" smtClean="0"/>
+              <a:t>マトリクスを取得するために必要</a:t>
+            </a:r>
+            <a:endParaRPr kumimoji="1" lang="en-US" altLang="ja-JP" dirty="0" smtClean="0"/>
+          </a:p>
           <a:p>
             <a:r>
               <a:rPr kumimoji="1" lang="en-US" altLang="ja-JP" dirty="0" err="1" smtClean="0"/>
@@ -3522,7 +3565,11 @@
             </a:r>
             <a:r>
               <a:rPr kumimoji="1" lang="en-US" altLang="ja-JP" dirty="0" smtClean="0"/>
-              <a:t> ID</a:t>
+              <a:t> </a:t>
+            </a:r>
+            <a:r>
+              <a:rPr kumimoji="1" lang="en-US" altLang="ja-JP" dirty="0" smtClean="0"/>
+              <a:t>ID</a:t>
             </a:r>
             <a:r>
               <a:rPr kumimoji="1" lang="ja-JP" altLang="en-US" dirty="0" smtClean="0"/>
@@ -3649,6 +3696,102 @@
           </a:p>
           <a:p>
             <a:pPr lvl="1"/>
+            <a:endParaRPr kumimoji="1" lang="ja-JP" altLang="en-US" dirty="0"/>
+          </a:p>
+        </p:txBody>
+      </p:sp>
+      <p:sp>
+        <p:nvSpPr>
+          <p:cNvPr id="4" name="正方形/長方形 3"/>
+          <p:cNvSpPr/>
+          <p:nvPr/>
+        </p:nvSpPr>
+        <p:spPr>
+          <a:xfrm>
+            <a:off x="4355976" y="4941168"/>
+            <a:ext cx="4176464" cy="1296144"/>
+          </a:xfrm>
+          <a:prstGeom prst="rect">
+            <a:avLst/>
+          </a:prstGeom>
+        </p:spPr>
+        <p:style>
+          <a:lnRef idx="2">
+            <a:schemeClr val="accent1">
+              <a:shade val="50000"/>
+            </a:schemeClr>
+          </a:lnRef>
+          <a:fillRef idx="1">
+            <a:schemeClr val="accent1"/>
+          </a:fillRef>
+          <a:effectRef idx="0">
+            <a:schemeClr val="accent1"/>
+          </a:effectRef>
+          <a:fontRef idx="minor">
+            <a:schemeClr val="lt1"/>
+          </a:fontRef>
+        </p:style>
+        <p:txBody>
+          <a:bodyPr rtlCol="0" anchor="ctr"/>
+          <a:lstStyle/>
+          <a:p>
+            <a:pPr algn="ctr"/>
+            <a:r>
+              <a:rPr kumimoji="1" lang="en-US" altLang="ja-JP" dirty="0" err="1" smtClean="0"/>
+              <a:t>ObjetID</a:t>
+            </a:r>
+            <a:r>
+              <a:rPr kumimoji="1" lang="ja-JP" altLang="en-US" dirty="0" err="1" smtClean="0"/>
+              <a:t>、</a:t>
+            </a:r>
+            <a:r>
+              <a:rPr kumimoji="1" lang="en-US" altLang="ja-JP" dirty="0" err="1" smtClean="0"/>
+              <a:t>PrimID</a:t>
+            </a:r>
+            <a:r>
+              <a:rPr kumimoji="1" lang="ja-JP" altLang="en-US" dirty="0" err="1" smtClean="0"/>
+              <a:t>、</a:t>
+            </a:r>
+            <a:r>
+              <a:rPr kumimoji="1" lang="ja-JP" altLang="en-US" dirty="0" smtClean="0"/>
+              <a:t>重心座標が</a:t>
+            </a:r>
+            <a:endParaRPr kumimoji="1" lang="en-US" altLang="ja-JP" dirty="0" smtClean="0"/>
+          </a:p>
+          <a:p>
+            <a:pPr algn="ctr"/>
+            <a:r>
+              <a:rPr lang="ja-JP" altLang="en-US" dirty="0" smtClean="0"/>
+              <a:t>分かれば、最悪 </a:t>
+            </a:r>
+            <a:r>
+              <a:rPr lang="en-US" altLang="ja-JP" dirty="0" err="1" smtClean="0"/>
+              <a:t>RayTracing</a:t>
+            </a:r>
+            <a:r>
+              <a:rPr lang="ja-JP" altLang="en-US" dirty="0" smtClean="0"/>
+              <a:t>内部で</a:t>
+            </a:r>
+            <a:r>
+              <a:rPr lang="en-US" altLang="ja-JP" dirty="0" smtClean="0"/>
+              <a:t>Depth</a:t>
+            </a:r>
+            <a:r>
+              <a:rPr lang="ja-JP" altLang="en-US" dirty="0" smtClean="0"/>
+              <a:t>は計算できるので</a:t>
+            </a:r>
+            <a:endParaRPr lang="en-US" altLang="ja-JP" dirty="0" smtClean="0"/>
+          </a:p>
+          <a:p>
+            <a:pPr algn="ctr"/>
+            <a:r>
+              <a:rPr kumimoji="1" lang="en-US" altLang="ja-JP" dirty="0" err="1" smtClean="0"/>
+              <a:t>ScreenSpace</a:t>
+            </a:r>
+            <a:r>
+              <a:rPr kumimoji="1" lang="ja-JP" altLang="en-US" dirty="0" smtClean="0"/>
+              <a:t>から渡さなくてもいいはず</a:t>
+            </a:r>
             <a:endParaRPr kumimoji="1" lang="ja-JP" altLang="en-US" dirty="0"/>
           </a:p>
         </p:txBody>
@@ -4362,53 +4505,105 @@
           <a:lstStyle/>
           <a:p>
             <a:r>
-              <a:rPr kumimoji="1" lang="ja-JP" altLang="en-US" dirty="0" smtClean="0"/>
+              <a:rPr kumimoji="1" lang="ja-JP" altLang="en-US" strike="sngStrike" dirty="0" smtClean="0">
+                <a:solidFill>
+                  <a:srgbClr val="FF0000"/>
+                </a:solidFill>
+              </a:rPr>
               <a:t>分散による打ち切り</a:t>
             </a:r>
-            <a:endParaRPr kumimoji="1" lang="en-US" altLang="ja-JP" dirty="0" smtClean="0"/>
+            <a:endParaRPr kumimoji="1" lang="en-US" altLang="ja-JP" strike="sngStrike" dirty="0" smtClean="0">
+              <a:solidFill>
+                <a:srgbClr val="FF0000"/>
+              </a:solidFill>
+            </a:endParaRPr>
           </a:p>
           <a:p>
             <a:pPr lvl="1"/>
             <a:r>
-              <a:rPr lang="ja-JP" altLang="en-US" dirty="0" smtClean="0"/>
+              <a:rPr lang="ja-JP" altLang="en-US" strike="sngStrike" dirty="0" smtClean="0">
+                <a:solidFill>
+                  <a:srgbClr val="FF0000"/>
+                </a:solidFill>
+              </a:rPr>
               <a:t>カメラが動いたときに分散が大きくなるので</a:t>
             </a:r>
             <a:r>
-              <a:rPr lang="en-US" altLang="ja-JP" dirty="0" smtClean="0"/>
+              <a:rPr lang="en-US" altLang="ja-JP" strike="sngStrike" dirty="0" smtClean="0">
+                <a:solidFill>
+                  <a:srgbClr val="FF0000"/>
+                </a:solidFill>
+              </a:rPr>
               <a:t/>
             </a:r>
             <a:br>
-              <a:rPr lang="en-US" altLang="ja-JP" dirty="0" smtClean="0"/>
+              <a:rPr lang="en-US" altLang="ja-JP" strike="sngStrike" dirty="0" smtClean="0">
+                <a:solidFill>
+                  <a:srgbClr val="FF0000"/>
+                </a:solidFill>
+              </a:rPr>
             </a:br>
             <a:r>
-              <a:rPr lang="ja-JP" altLang="en-US" dirty="0" smtClean="0"/>
+              <a:rPr lang="ja-JP" altLang="en-US" strike="sngStrike" dirty="0" smtClean="0">
+                <a:solidFill>
+                  <a:srgbClr val="FF0000"/>
+                </a:solidFill>
+              </a:rPr>
               <a:t>定常的に効果が期待できない</a:t>
             </a:r>
-            <a:endParaRPr lang="en-US" altLang="ja-JP" dirty="0"/>
+            <a:endParaRPr lang="en-US" altLang="ja-JP" strike="sngStrike" dirty="0">
+              <a:solidFill>
+                <a:srgbClr val="FF0000"/>
+              </a:solidFill>
+            </a:endParaRPr>
           </a:p>
           <a:p>
             <a:pPr lvl="1"/>
             <a:r>
-              <a:rPr lang="en-US" altLang="ja-JP" dirty="0" smtClean="0"/>
+              <a:rPr lang="en-US" altLang="ja-JP" strike="sngStrike" dirty="0" smtClean="0">
+                <a:solidFill>
+                  <a:srgbClr val="FF0000"/>
+                </a:solidFill>
+              </a:rPr>
               <a:t>Temporal </a:t>
             </a:r>
             <a:r>
-              <a:rPr lang="en-US" altLang="ja-JP" dirty="0" err="1" smtClean="0"/>
+              <a:rPr lang="en-US" altLang="ja-JP" strike="sngStrike" dirty="0" err="1" smtClean="0">
+                <a:solidFill>
+                  <a:srgbClr val="FF0000"/>
+                </a:solidFill>
+              </a:rPr>
               <a:t>Reprojection</a:t>
             </a:r>
             <a:r>
-              <a:rPr lang="ja-JP" altLang="en-US" dirty="0" smtClean="0"/>
+              <a:rPr lang="ja-JP" altLang="en-US" strike="sngStrike" dirty="0" smtClean="0">
+                <a:solidFill>
+                  <a:srgbClr val="FF0000"/>
+                </a:solidFill>
+              </a:rPr>
               <a:t>などフィルタ計算時は</a:t>
             </a:r>
             <a:r>
-              <a:rPr lang="en-US" altLang="ja-JP" dirty="0" smtClean="0"/>
+              <a:rPr lang="en-US" altLang="ja-JP" strike="sngStrike" dirty="0" smtClean="0">
+                <a:solidFill>
+                  <a:srgbClr val="FF0000"/>
+                </a:solidFill>
+              </a:rPr>
               <a:t>tap</a:t>
             </a:r>
             <a:r>
-              <a:rPr lang="ja-JP" altLang="en-US" smtClean="0"/>
+              <a:rPr lang="ja-JP" altLang="en-US" strike="sngStrike" dirty="0" smtClean="0">
+                <a:solidFill>
+                  <a:srgbClr val="FF0000"/>
+                </a:solidFill>
+              </a:rPr>
               <a:t>数が大きく、打ち切られたレイの結果もサンプルされてしまい、フィルタがおかしくなる</a:t>
             </a:r>
-            <a:endParaRPr lang="en-US" altLang="ja-JP" dirty="0" smtClean="0"/>
+            <a:endParaRPr lang="en-US" altLang="ja-JP" strike="sngStrike" dirty="0" smtClean="0">
+              <a:solidFill>
+                <a:srgbClr val="FF0000"/>
+              </a:solidFill>
+            </a:endParaRPr>
           </a:p>
         </p:txBody>
       </p:sp>
@@ -4495,37 +4690,113 @@
           <a:p>
             <a:pPr lvl="1"/>
             <a:r>
-              <a:rPr lang="en-US" altLang="ja-JP" dirty="0" err="1"/>
+              <a:rPr lang="en-US" altLang="ja-JP" strike="sngStrike" dirty="0" err="1"/>
               <a:t>Obj</a:t>
             </a:r>
             <a:r>
+              <a:rPr lang="ja-JP" altLang="en-US" strike="sngStrike" dirty="0"/>
+              <a:t>をラスタライズレンダリングできるようにする</a:t>
+            </a:r>
+            <a:endParaRPr lang="en-US" altLang="ja-JP" strike="sngStrike" dirty="0"/>
+          </a:p>
+          <a:p>
+            <a:pPr lvl="1"/>
+            <a:r>
+              <a:rPr lang="ja-JP" altLang="en-US" strike="sngStrike" dirty="0" smtClean="0"/>
+              <a:t>ジオメトリ</a:t>
+            </a:r>
+            <a:r>
+              <a:rPr lang="ja-JP" altLang="en-US" strike="sngStrike" dirty="0"/>
+              <a:t>シェーダ</a:t>
+            </a:r>
+            <a:r>
+              <a:rPr lang="ja-JP" altLang="en-US" strike="sngStrike" dirty="0" smtClean="0"/>
+              <a:t>を</a:t>
+            </a:r>
+            <a:r>
+              <a:rPr lang="ja-JP" altLang="en-US" strike="sngStrike" dirty="0" smtClean="0"/>
+              <a:t>利用できるようにする</a:t>
+            </a:r>
+            <a:endParaRPr lang="en-US" altLang="ja-JP" strike="sngStrike" dirty="0" smtClean="0"/>
+          </a:p>
+          <a:p>
+            <a:pPr lvl="1"/>
+            <a:r>
+              <a:rPr lang="en-US" altLang="ja-JP" strike="sngStrike" dirty="0" err="1"/>
+              <a:t>Cuda</a:t>
+            </a:r>
+            <a:r>
+              <a:rPr lang="ja-JP" altLang="en-US" strike="sngStrike" dirty="0"/>
+              <a:t>に渡すデータの</a:t>
+            </a:r>
+            <a:r>
+              <a:rPr lang="ja-JP" altLang="en-US" strike="sngStrike" dirty="0" smtClean="0"/>
+              <a:t>出力</a:t>
+            </a:r>
+            <a:endParaRPr lang="en-US" altLang="ja-JP" strike="sngStrike" dirty="0" smtClean="0"/>
+          </a:p>
+          <a:p>
+            <a:pPr lvl="2"/>
+            <a:r>
+              <a:rPr lang="en-US" altLang="ja-JP" strike="sngStrike" dirty="0" err="1" smtClean="0"/>
+              <a:t>PrimID</a:t>
+            </a:r>
+            <a:endParaRPr lang="en-US" altLang="ja-JP" strike="sngStrike" dirty="0" smtClean="0"/>
+          </a:p>
+          <a:p>
+            <a:pPr lvl="2"/>
+            <a:r>
+              <a:rPr lang="en-US" altLang="ja-JP" strike="sngStrike" dirty="0" err="1" smtClean="0"/>
+              <a:t>ObjID</a:t>
+            </a:r>
+            <a:endParaRPr lang="en-US" altLang="ja-JP" strike="sngStrike" dirty="0" smtClean="0"/>
+          </a:p>
+          <a:p>
+            <a:pPr lvl="2"/>
+            <a:r>
+              <a:rPr lang="en-US" altLang="ja-JP" strike="sngStrike" dirty="0" err="1" smtClean="0"/>
+              <a:t>Bary</a:t>
+            </a:r>
+            <a:r>
+              <a:rPr lang="en-US" altLang="ja-JP" strike="sngStrike" dirty="0" smtClean="0"/>
+              <a:t> Centric</a:t>
+            </a:r>
+          </a:p>
+          <a:p>
+            <a:pPr lvl="1"/>
+            <a:r>
+              <a:rPr lang="en-US" altLang="ja-JP" strike="sngStrike" dirty="0" smtClean="0"/>
+              <a:t>TAA</a:t>
+            </a:r>
+            <a:r>
+              <a:rPr lang="ja-JP" altLang="en-US" strike="sngStrike" dirty="0" smtClean="0"/>
+              <a:t>用に乱数で散らす</a:t>
+            </a:r>
+            <a:endParaRPr lang="en-US" altLang="ja-JP" strike="sngStrike" dirty="0" smtClean="0"/>
+          </a:p>
+          <a:p>
+            <a:pPr lvl="1"/>
+            <a:r>
+              <a:rPr lang="en-US" altLang="ja-JP" dirty="0"/>
+              <a:t>Float4</a:t>
+            </a:r>
+            <a:r>
               <a:rPr lang="ja-JP" altLang="en-US" dirty="0"/>
-              <a:t>をラスタライズレンダリングできるようにする</a:t>
+              <a:t>フォーマットで</a:t>
+            </a:r>
+            <a:r>
+              <a:rPr lang="en-US" altLang="ja-JP" dirty="0"/>
+              <a:t>FBO</a:t>
+            </a:r>
+            <a:r>
+              <a:rPr lang="ja-JP" altLang="en-US" dirty="0"/>
+              <a:t>に出力</a:t>
             </a:r>
             <a:endParaRPr lang="en-US" altLang="ja-JP" dirty="0"/>
           </a:p>
           <a:p>
             <a:pPr lvl="1"/>
-            <a:r>
-              <a:rPr lang="ja-JP" altLang="en-US" dirty="0" smtClean="0"/>
-              <a:t>ジオメトリバッファを利用できるようにする</a:t>
-            </a:r>
             <a:endParaRPr lang="en-US" altLang="ja-JP" dirty="0" smtClean="0"/>
-          </a:p>
-          <a:p>
-            <a:pPr lvl="1"/>
-            <a:r>
-              <a:rPr lang="en-US" altLang="ja-JP" dirty="0" err="1"/>
-              <a:t>Cuda</a:t>
-            </a:r>
-            <a:r>
-              <a:rPr lang="ja-JP" altLang="en-US" dirty="0"/>
-              <a:t>に渡すデータの出力</a:t>
-            </a:r>
-            <a:endParaRPr lang="en-US" altLang="ja-JP" dirty="0"/>
-          </a:p>
-          <a:p>
-            <a:endParaRPr kumimoji="1" lang="ja-JP" altLang="en-US" dirty="0"/>
           </a:p>
         </p:txBody>
       </p:sp>

--- a/docs/Scree Space Ray Tracing.pptx
+++ b/docs/Scree Space Ray Tracing.pptx
@@ -296,7 +296,7 @@
           <a:p>
             <a:fld id="{ACF5258E-2B01-404D-9C9F-60EACF2531FD}" type="datetimeFigureOut">
               <a:rPr kumimoji="1" lang="ja-JP" altLang="en-US" smtClean="0"/>
-              <a:t>2017/11/9</a:t>
+              <a:t>2017/11/10</a:t>
             </a:fld>
             <a:endParaRPr kumimoji="1" lang="ja-JP" altLang="en-US"/>
           </a:p>
@@ -498,7 +498,7 @@
           <a:p>
             <a:fld id="{ACF5258E-2B01-404D-9C9F-60EACF2531FD}" type="datetimeFigureOut">
               <a:rPr kumimoji="1" lang="ja-JP" altLang="en-US" smtClean="0"/>
-              <a:t>2017/11/9</a:t>
+              <a:t>2017/11/10</a:t>
             </a:fld>
             <a:endParaRPr kumimoji="1" lang="ja-JP" altLang="en-US"/>
           </a:p>
@@ -710,7 +710,7 @@
           <a:p>
             <a:fld id="{ACF5258E-2B01-404D-9C9F-60EACF2531FD}" type="datetimeFigureOut">
               <a:rPr kumimoji="1" lang="ja-JP" altLang="en-US" smtClean="0"/>
-              <a:t>2017/11/9</a:t>
+              <a:t>2017/11/10</a:t>
             </a:fld>
             <a:endParaRPr kumimoji="1" lang="ja-JP" altLang="en-US"/>
           </a:p>
@@ -912,7 +912,7 @@
           <a:p>
             <a:fld id="{ACF5258E-2B01-404D-9C9F-60EACF2531FD}" type="datetimeFigureOut">
               <a:rPr kumimoji="1" lang="ja-JP" altLang="en-US" smtClean="0"/>
-              <a:t>2017/11/9</a:t>
+              <a:t>2017/11/10</a:t>
             </a:fld>
             <a:endParaRPr kumimoji="1" lang="ja-JP" altLang="en-US"/>
           </a:p>
@@ -1158,7 +1158,7 @@
           <a:p>
             <a:fld id="{ACF5258E-2B01-404D-9C9F-60EACF2531FD}" type="datetimeFigureOut">
               <a:rPr kumimoji="1" lang="ja-JP" altLang="en-US" smtClean="0"/>
-              <a:t>2017/11/9</a:t>
+              <a:t>2017/11/10</a:t>
             </a:fld>
             <a:endParaRPr kumimoji="1" lang="ja-JP" altLang="en-US"/>
           </a:p>
@@ -1510,7 +1510,7 @@
           <a:p>
             <a:fld id="{ACF5258E-2B01-404D-9C9F-60EACF2531FD}" type="datetimeFigureOut">
               <a:rPr kumimoji="1" lang="ja-JP" altLang="en-US" smtClean="0"/>
-              <a:t>2017/11/9</a:t>
+              <a:t>2017/11/10</a:t>
             </a:fld>
             <a:endParaRPr kumimoji="1" lang="ja-JP" altLang="en-US"/>
           </a:p>
@@ -1996,7 +1996,7 @@
           <a:p>
             <a:fld id="{ACF5258E-2B01-404D-9C9F-60EACF2531FD}" type="datetimeFigureOut">
               <a:rPr kumimoji="1" lang="ja-JP" altLang="en-US" smtClean="0"/>
-              <a:t>2017/11/9</a:t>
+              <a:t>2017/11/10</a:t>
             </a:fld>
             <a:endParaRPr kumimoji="1" lang="ja-JP" altLang="en-US"/>
           </a:p>
@@ -2114,7 +2114,7 @@
           <a:p>
             <a:fld id="{ACF5258E-2B01-404D-9C9F-60EACF2531FD}" type="datetimeFigureOut">
               <a:rPr kumimoji="1" lang="ja-JP" altLang="en-US" smtClean="0"/>
-              <a:t>2017/11/9</a:t>
+              <a:t>2017/11/10</a:t>
             </a:fld>
             <a:endParaRPr kumimoji="1" lang="ja-JP" altLang="en-US"/>
           </a:p>
@@ -2209,7 +2209,7 @@
           <a:p>
             <a:fld id="{ACF5258E-2B01-404D-9C9F-60EACF2531FD}" type="datetimeFigureOut">
               <a:rPr kumimoji="1" lang="ja-JP" altLang="en-US" smtClean="0"/>
-              <a:t>2017/11/9</a:t>
+              <a:t>2017/11/10</a:t>
             </a:fld>
             <a:endParaRPr kumimoji="1" lang="ja-JP" altLang="en-US"/>
           </a:p>
@@ -2518,7 +2518,7 @@
           <a:p>
             <a:fld id="{ACF5258E-2B01-404D-9C9F-60EACF2531FD}" type="datetimeFigureOut">
               <a:rPr kumimoji="1" lang="ja-JP" altLang="en-US" smtClean="0"/>
-              <a:t>2017/11/9</a:t>
+              <a:t>2017/11/10</a:t>
             </a:fld>
             <a:endParaRPr kumimoji="1" lang="ja-JP" altLang="en-US"/>
           </a:p>
@@ -2771,7 +2771,7 @@
           <a:p>
             <a:fld id="{ACF5258E-2B01-404D-9C9F-60EACF2531FD}" type="datetimeFigureOut">
               <a:rPr kumimoji="1" lang="ja-JP" altLang="en-US" smtClean="0"/>
-              <a:t>2017/11/9</a:t>
+              <a:t>2017/11/10</a:t>
             </a:fld>
             <a:endParaRPr kumimoji="1" lang="ja-JP" altLang="en-US"/>
           </a:p>
@@ -3016,7 +3016,7 @@
           <a:p>
             <a:fld id="{ACF5258E-2B01-404D-9C9F-60EACF2531FD}" type="datetimeFigureOut">
               <a:rPr kumimoji="1" lang="ja-JP" altLang="en-US" smtClean="0"/>
-              <a:t>2017/11/9</a:t>
+              <a:t>2017/11/10</a:t>
             </a:fld>
             <a:endParaRPr kumimoji="1" lang="ja-JP" altLang="en-US"/>
           </a:p>
@@ -3565,11 +3565,7 @@
             </a:r>
             <a:r>
               <a:rPr kumimoji="1" lang="en-US" altLang="ja-JP" dirty="0" smtClean="0"/>
-              <a:t> </a:t>
-            </a:r>
-            <a:r>
-              <a:rPr kumimoji="1" lang="en-US" altLang="ja-JP" dirty="0" smtClean="0"/>
-              <a:t>ID</a:t>
+              <a:t> ID</a:t>
             </a:r>
             <a:r>
               <a:rPr kumimoji="1" lang="ja-JP" altLang="en-US" dirty="0" smtClean="0"/>
@@ -4711,11 +4707,7 @@
             </a:r>
             <a:r>
               <a:rPr lang="ja-JP" altLang="en-US" strike="sngStrike" dirty="0" smtClean="0"/>
-              <a:t>を</a:t>
-            </a:r>
-            <a:r>
-              <a:rPr lang="ja-JP" altLang="en-US" strike="sngStrike" dirty="0" smtClean="0"/>
-              <a:t>利用できるようにする</a:t>
+              <a:t>を利用できるようにする</a:t>
             </a:r>
             <a:endParaRPr lang="en-US" altLang="ja-JP" strike="sngStrike" dirty="0" smtClean="0"/>
           </a:p>
@@ -4777,22 +4769,22 @@
           <a:p>
             <a:pPr lvl="1"/>
             <a:r>
-              <a:rPr lang="en-US" altLang="ja-JP" dirty="0"/>
+              <a:rPr lang="en-US" altLang="ja-JP" strike="sngStrike" dirty="0"/>
               <a:t>Float4</a:t>
             </a:r>
             <a:r>
-              <a:rPr lang="ja-JP" altLang="en-US" dirty="0"/>
+              <a:rPr lang="ja-JP" altLang="en-US" strike="sngStrike" dirty="0"/>
               <a:t>フォーマットで</a:t>
             </a:r>
             <a:r>
-              <a:rPr lang="en-US" altLang="ja-JP" dirty="0"/>
+              <a:rPr lang="en-US" altLang="ja-JP" strike="sngStrike" dirty="0"/>
               <a:t>FBO</a:t>
             </a:r>
             <a:r>
-              <a:rPr lang="ja-JP" altLang="en-US" dirty="0"/>
+              <a:rPr lang="ja-JP" altLang="en-US" strike="sngStrike" dirty="0"/>
               <a:t>に出力</a:t>
             </a:r>
-            <a:endParaRPr lang="en-US" altLang="ja-JP" dirty="0"/>
+            <a:endParaRPr lang="en-US" altLang="ja-JP" strike="sngStrike" dirty="0"/>
           </a:p>
           <a:p>
             <a:pPr lvl="1"/>
@@ -4877,10 +4869,10 @@
           <a:p>
             <a:pPr lvl="1"/>
             <a:r>
-              <a:rPr lang="ja-JP" altLang="en-US" dirty="0" smtClean="0"/>
+              <a:rPr lang="ja-JP" altLang="en-US" strike="sngStrike" dirty="0" smtClean="0"/>
               <a:t>１バウンス目のみ対応</a:t>
             </a:r>
-            <a:endParaRPr lang="en-US" altLang="ja-JP" dirty="0" smtClean="0"/>
+            <a:endParaRPr lang="en-US" altLang="ja-JP" strike="sngStrike" dirty="0" smtClean="0"/>
           </a:p>
           <a:p>
             <a:pPr lvl="1"/>

--- a/docs/Scree Space Ray Tracing.pptx
+++ b/docs/Scree Space Ray Tracing.pptx
@@ -14,6 +14,8 @@
     <p:sldId id="262" r:id="rId8"/>
     <p:sldId id="263" r:id="rId9"/>
     <p:sldId id="264" r:id="rId10"/>
+    <p:sldId id="265" r:id="rId11"/>
+    <p:sldId id="266" r:id="rId12"/>
   </p:sldIdLst>
   <p:sldSz cx="9144000" cy="6858000" type="screen4x3"/>
   <p:notesSz cx="6858000" cy="9144000"/>
@@ -296,7 +298,7 @@
           <a:p>
             <a:fld id="{ACF5258E-2B01-404D-9C9F-60EACF2531FD}" type="datetimeFigureOut">
               <a:rPr kumimoji="1" lang="ja-JP" altLang="en-US" smtClean="0"/>
-              <a:t>2017/11/10</a:t>
+              <a:t>2017/11/15</a:t>
             </a:fld>
             <a:endParaRPr kumimoji="1" lang="ja-JP" altLang="en-US"/>
           </a:p>
@@ -498,7 +500,7 @@
           <a:p>
             <a:fld id="{ACF5258E-2B01-404D-9C9F-60EACF2531FD}" type="datetimeFigureOut">
               <a:rPr kumimoji="1" lang="ja-JP" altLang="en-US" smtClean="0"/>
-              <a:t>2017/11/10</a:t>
+              <a:t>2017/11/15</a:t>
             </a:fld>
             <a:endParaRPr kumimoji="1" lang="ja-JP" altLang="en-US"/>
           </a:p>
@@ -710,7 +712,7 @@
           <a:p>
             <a:fld id="{ACF5258E-2B01-404D-9C9F-60EACF2531FD}" type="datetimeFigureOut">
               <a:rPr kumimoji="1" lang="ja-JP" altLang="en-US" smtClean="0"/>
-              <a:t>2017/11/10</a:t>
+              <a:t>2017/11/15</a:t>
             </a:fld>
             <a:endParaRPr kumimoji="1" lang="ja-JP" altLang="en-US"/>
           </a:p>
@@ -912,7 +914,7 @@
           <a:p>
             <a:fld id="{ACF5258E-2B01-404D-9C9F-60EACF2531FD}" type="datetimeFigureOut">
               <a:rPr kumimoji="1" lang="ja-JP" altLang="en-US" smtClean="0"/>
-              <a:t>2017/11/10</a:t>
+              <a:t>2017/11/15</a:t>
             </a:fld>
             <a:endParaRPr kumimoji="1" lang="ja-JP" altLang="en-US"/>
           </a:p>
@@ -1158,7 +1160,7 @@
           <a:p>
             <a:fld id="{ACF5258E-2B01-404D-9C9F-60EACF2531FD}" type="datetimeFigureOut">
               <a:rPr kumimoji="1" lang="ja-JP" altLang="en-US" smtClean="0"/>
-              <a:t>2017/11/10</a:t>
+              <a:t>2017/11/15</a:t>
             </a:fld>
             <a:endParaRPr kumimoji="1" lang="ja-JP" altLang="en-US"/>
           </a:p>
@@ -1510,7 +1512,7 @@
           <a:p>
             <a:fld id="{ACF5258E-2B01-404D-9C9F-60EACF2531FD}" type="datetimeFigureOut">
               <a:rPr kumimoji="1" lang="ja-JP" altLang="en-US" smtClean="0"/>
-              <a:t>2017/11/10</a:t>
+              <a:t>2017/11/15</a:t>
             </a:fld>
             <a:endParaRPr kumimoji="1" lang="ja-JP" altLang="en-US"/>
           </a:p>
@@ -1996,7 +1998,7 @@
           <a:p>
             <a:fld id="{ACF5258E-2B01-404D-9C9F-60EACF2531FD}" type="datetimeFigureOut">
               <a:rPr kumimoji="1" lang="ja-JP" altLang="en-US" smtClean="0"/>
-              <a:t>2017/11/10</a:t>
+              <a:t>2017/11/15</a:t>
             </a:fld>
             <a:endParaRPr kumimoji="1" lang="ja-JP" altLang="en-US"/>
           </a:p>
@@ -2114,7 +2116,7 @@
           <a:p>
             <a:fld id="{ACF5258E-2B01-404D-9C9F-60EACF2531FD}" type="datetimeFigureOut">
               <a:rPr kumimoji="1" lang="ja-JP" altLang="en-US" smtClean="0"/>
-              <a:t>2017/11/10</a:t>
+              <a:t>2017/11/15</a:t>
             </a:fld>
             <a:endParaRPr kumimoji="1" lang="ja-JP" altLang="en-US"/>
           </a:p>
@@ -2209,7 +2211,7 @@
           <a:p>
             <a:fld id="{ACF5258E-2B01-404D-9C9F-60EACF2531FD}" type="datetimeFigureOut">
               <a:rPr kumimoji="1" lang="ja-JP" altLang="en-US" smtClean="0"/>
-              <a:t>2017/11/10</a:t>
+              <a:t>2017/11/15</a:t>
             </a:fld>
             <a:endParaRPr kumimoji="1" lang="ja-JP" altLang="en-US"/>
           </a:p>
@@ -2518,7 +2520,7 @@
           <a:p>
             <a:fld id="{ACF5258E-2B01-404D-9C9F-60EACF2531FD}" type="datetimeFigureOut">
               <a:rPr kumimoji="1" lang="ja-JP" altLang="en-US" smtClean="0"/>
-              <a:t>2017/11/10</a:t>
+              <a:t>2017/11/15</a:t>
             </a:fld>
             <a:endParaRPr kumimoji="1" lang="ja-JP" altLang="en-US"/>
           </a:p>
@@ -2771,7 +2773,7 @@
           <a:p>
             <a:fld id="{ACF5258E-2B01-404D-9C9F-60EACF2531FD}" type="datetimeFigureOut">
               <a:rPr kumimoji="1" lang="ja-JP" altLang="en-US" smtClean="0"/>
-              <a:t>2017/11/10</a:t>
+              <a:t>2017/11/15</a:t>
             </a:fld>
             <a:endParaRPr kumimoji="1" lang="ja-JP" altLang="en-US"/>
           </a:p>
@@ -3016,7 +3018,7 @@
           <a:p>
             <a:fld id="{ACF5258E-2B01-404D-9C9F-60EACF2531FD}" type="datetimeFigureOut">
               <a:rPr kumimoji="1" lang="ja-JP" altLang="en-US" smtClean="0"/>
-              <a:t>2017/11/10</a:t>
+              <a:t>2017/11/15</a:t>
             </a:fld>
             <a:endParaRPr kumimoji="1" lang="ja-JP" altLang="en-US"/>
           </a:p>
@@ -3457,6 +3459,516 @@
 </p:sld>
 </file>
 
+<file path=ppt/slides/slide10.xml><?xml version="1.0" encoding="utf-8"?>
+<p:sld xmlns:a="http://schemas.openxmlformats.org/drawingml/2006/main" xmlns:r="http://schemas.openxmlformats.org/officeDocument/2006/relationships" xmlns:p="http://schemas.openxmlformats.org/presentationml/2006/main">
+  <p:cSld>
+    <p:spTree>
+      <p:nvGrpSpPr>
+        <p:cNvPr id="1" name=""/>
+        <p:cNvGrpSpPr/>
+        <p:nvPr/>
+      </p:nvGrpSpPr>
+      <p:grpSpPr>
+        <a:xfrm>
+          <a:off x="0" y="0"/>
+          <a:ext cx="0" cy="0"/>
+          <a:chOff x="0" y="0"/>
+          <a:chExt cx="0" cy="0"/>
+        </a:xfrm>
+      </p:grpSpPr>
+      <p:sp>
+        <p:nvSpPr>
+          <p:cNvPr id="2" name="タイトル 1"/>
+          <p:cNvSpPr>
+            <a:spLocks noGrp="1"/>
+          </p:cNvSpPr>
+          <p:nvPr>
+            <p:ph type="title"/>
+          </p:nvPr>
+        </p:nvSpPr>
+        <p:spPr/>
+        <p:txBody>
+          <a:bodyPr/>
+          <a:lstStyle/>
+          <a:p>
+            <a:r>
+              <a:rPr kumimoji="1" lang="ja-JP" altLang="en-US" dirty="0" smtClean="0"/>
+              <a:t>問題になりそうな個所</a:t>
+            </a:r>
+            <a:endParaRPr kumimoji="1" lang="ja-JP" altLang="en-US" dirty="0"/>
+          </a:p>
+        </p:txBody>
+      </p:sp>
+      <p:pic>
+        <p:nvPicPr>
+          <p:cNvPr id="1026" name="Picture 2"/>
+          <p:cNvPicPr>
+            <a:picLocks noGrp="1" noChangeAspect="1" noChangeArrowheads="1"/>
+          </p:cNvPicPr>
+          <p:nvPr>
+            <p:ph idx="1"/>
+          </p:nvPr>
+        </p:nvPicPr>
+        <p:blipFill>
+          <a:blip r:embed="rId2">
+            <a:extLst>
+              <a:ext uri="{28A0092B-C50C-407E-A947-70E740481C1C}">
+                <a14:useLocalDpi xmlns:a14="http://schemas.microsoft.com/office/drawing/2010/main" val="0"/>
+              </a:ext>
+            </a:extLst>
+          </a:blip>
+          <a:srcRect/>
+          <a:stretch>
+            <a:fillRect/>
+          </a:stretch>
+        </p:blipFill>
+        <p:spPr bwMode="auto">
+          <a:xfrm>
+            <a:off x="539552" y="1340768"/>
+            <a:ext cx="3038475" cy="2019300"/>
+          </a:xfrm>
+          <a:prstGeom prst="rect">
+            <a:avLst/>
+          </a:prstGeom>
+          <a:noFill/>
+          <a:ln w="9525">
+            <a:solidFill>
+              <a:schemeClr val="tx1"/>
+            </a:solidFill>
+            <a:miter lim="800000"/>
+            <a:headEnd/>
+            <a:tailEnd/>
+          </a:ln>
+          <a:extLst>
+            <a:ext uri="{909E8E84-426E-40DD-AFC4-6F175D3DCCD1}">
+              <a14:hiddenFill xmlns:a14="http://schemas.microsoft.com/office/drawing/2010/main">
+                <a:solidFill>
+                  <a:schemeClr val="accent1"/>
+                </a:solidFill>
+              </a14:hiddenFill>
+            </a:ext>
+          </a:extLst>
+        </p:spPr>
+      </p:pic>
+      <p:sp>
+        <p:nvSpPr>
+          <p:cNvPr id="4" name="円/楕円 3"/>
+          <p:cNvSpPr/>
+          <p:nvPr/>
+        </p:nvSpPr>
+        <p:spPr>
+          <a:xfrm>
+            <a:off x="2051720" y="2564904"/>
+            <a:ext cx="576064" cy="288032"/>
+          </a:xfrm>
+          <a:prstGeom prst="ellipse">
+            <a:avLst/>
+          </a:prstGeom>
+          <a:noFill/>
+          <a:ln>
+            <a:solidFill>
+              <a:srgbClr val="FF0000"/>
+            </a:solidFill>
+          </a:ln>
+        </p:spPr>
+        <p:style>
+          <a:lnRef idx="2">
+            <a:schemeClr val="accent1">
+              <a:shade val="50000"/>
+            </a:schemeClr>
+          </a:lnRef>
+          <a:fillRef idx="1">
+            <a:schemeClr val="accent1"/>
+          </a:fillRef>
+          <a:effectRef idx="0">
+            <a:schemeClr val="accent1"/>
+          </a:effectRef>
+          <a:fontRef idx="minor">
+            <a:schemeClr val="lt1"/>
+          </a:fontRef>
+        </p:style>
+        <p:txBody>
+          <a:bodyPr rtlCol="0" anchor="ctr"/>
+          <a:lstStyle/>
+          <a:p>
+            <a:pPr algn="ctr"/>
+            <a:endParaRPr kumimoji="1" lang="ja-JP" altLang="en-US"/>
+          </a:p>
+        </p:txBody>
+      </p:sp>
+      <p:sp>
+        <p:nvSpPr>
+          <p:cNvPr id="6" name="円/楕円 5"/>
+          <p:cNvSpPr/>
+          <p:nvPr/>
+        </p:nvSpPr>
+        <p:spPr>
+          <a:xfrm>
+            <a:off x="2204120" y="1772816"/>
+            <a:ext cx="576064" cy="288032"/>
+          </a:xfrm>
+          <a:prstGeom prst="ellipse">
+            <a:avLst/>
+          </a:prstGeom>
+          <a:noFill/>
+          <a:ln>
+            <a:solidFill>
+              <a:srgbClr val="FF0000"/>
+            </a:solidFill>
+          </a:ln>
+        </p:spPr>
+        <p:style>
+          <a:lnRef idx="2">
+            <a:schemeClr val="accent1">
+              <a:shade val="50000"/>
+            </a:schemeClr>
+          </a:lnRef>
+          <a:fillRef idx="1">
+            <a:schemeClr val="accent1"/>
+          </a:fillRef>
+          <a:effectRef idx="0">
+            <a:schemeClr val="accent1"/>
+          </a:effectRef>
+          <a:fontRef idx="minor">
+            <a:schemeClr val="lt1"/>
+          </a:fontRef>
+        </p:style>
+        <p:txBody>
+          <a:bodyPr rtlCol="0" anchor="ctr"/>
+          <a:lstStyle/>
+          <a:p>
+            <a:pPr algn="ctr"/>
+            <a:endParaRPr kumimoji="1" lang="ja-JP" altLang="en-US"/>
+          </a:p>
+        </p:txBody>
+      </p:sp>
+      <p:sp>
+        <p:nvSpPr>
+          <p:cNvPr id="7" name="正方形/長方形 6"/>
+          <p:cNvSpPr/>
+          <p:nvPr/>
+        </p:nvSpPr>
+        <p:spPr>
+          <a:xfrm>
+            <a:off x="3923928" y="1700808"/>
+            <a:ext cx="4320480" cy="1584176"/>
+          </a:xfrm>
+          <a:prstGeom prst="rect">
+            <a:avLst/>
+          </a:prstGeom>
+        </p:spPr>
+        <p:style>
+          <a:lnRef idx="2">
+            <a:schemeClr val="accent2">
+              <a:shade val="50000"/>
+            </a:schemeClr>
+          </a:lnRef>
+          <a:fillRef idx="1">
+            <a:schemeClr val="accent2"/>
+          </a:fillRef>
+          <a:effectRef idx="0">
+            <a:schemeClr val="accent2"/>
+          </a:effectRef>
+          <a:fontRef idx="minor">
+            <a:schemeClr val="lt1"/>
+          </a:fontRef>
+        </p:style>
+        <p:txBody>
+          <a:bodyPr rtlCol="0" anchor="ctr"/>
+          <a:lstStyle/>
+          <a:p>
+            <a:pPr algn="ctr"/>
+            <a:r>
+              <a:rPr kumimoji="1" lang="ja-JP" altLang="en-US" dirty="0" smtClean="0"/>
+              <a:t>本来なら見えない場所なので写らないが</a:t>
+            </a:r>
+            <a:endParaRPr kumimoji="1" lang="en-US" altLang="ja-JP" dirty="0" smtClean="0"/>
+          </a:p>
+          <a:p>
+            <a:pPr algn="ctr"/>
+            <a:r>
+              <a:rPr lang="ja-JP" altLang="en-US" dirty="0" smtClean="0"/>
+              <a:t>深度テスト的に上面を</a:t>
+            </a:r>
+            <a:endParaRPr lang="en-US" altLang="ja-JP" dirty="0" smtClean="0"/>
+          </a:p>
+          <a:p>
+            <a:pPr algn="ctr"/>
+            <a:r>
+              <a:rPr lang="ja-JP" altLang="en-US" dirty="0" smtClean="0"/>
+              <a:t>サンプリングしてしまっている</a:t>
+            </a:r>
+            <a:endParaRPr kumimoji="1" lang="ja-JP" altLang="en-US" dirty="0"/>
+          </a:p>
+        </p:txBody>
+      </p:sp>
+      <p:cxnSp>
+        <p:nvCxnSpPr>
+          <p:cNvPr id="9" name="直線コネクタ 8"/>
+          <p:cNvCxnSpPr>
+            <a:stCxn id="6" idx="6"/>
+            <a:endCxn id="7" idx="1"/>
+          </p:cNvCxnSpPr>
+          <p:nvPr/>
+        </p:nvCxnSpPr>
+        <p:spPr>
+          <a:xfrm>
+            <a:off x="2780184" y="1916832"/>
+            <a:ext cx="1143744" cy="576064"/>
+          </a:xfrm>
+          <a:prstGeom prst="line">
+            <a:avLst/>
+          </a:prstGeom>
+          <a:ln w="25400">
+            <a:solidFill>
+              <a:srgbClr val="FF0000"/>
+            </a:solidFill>
+          </a:ln>
+        </p:spPr>
+        <p:style>
+          <a:lnRef idx="1">
+            <a:schemeClr val="accent1"/>
+          </a:lnRef>
+          <a:fillRef idx="0">
+            <a:schemeClr val="accent1"/>
+          </a:fillRef>
+          <a:effectRef idx="0">
+            <a:schemeClr val="accent1"/>
+          </a:effectRef>
+          <a:fontRef idx="minor">
+            <a:schemeClr val="tx1"/>
+          </a:fontRef>
+        </p:style>
+      </p:cxnSp>
+      <p:cxnSp>
+        <p:nvCxnSpPr>
+          <p:cNvPr id="11" name="直線コネクタ 10"/>
+          <p:cNvCxnSpPr>
+            <a:stCxn id="4" idx="6"/>
+            <a:endCxn id="7" idx="1"/>
+          </p:cNvCxnSpPr>
+          <p:nvPr/>
+        </p:nvCxnSpPr>
+        <p:spPr>
+          <a:xfrm flipV="1">
+            <a:off x="2627784" y="2492896"/>
+            <a:ext cx="1296144" cy="216024"/>
+          </a:xfrm>
+          <a:prstGeom prst="line">
+            <a:avLst/>
+          </a:prstGeom>
+          <a:ln w="25400">
+            <a:solidFill>
+              <a:srgbClr val="FF0000"/>
+            </a:solidFill>
+          </a:ln>
+        </p:spPr>
+        <p:style>
+          <a:lnRef idx="1">
+            <a:schemeClr val="accent1"/>
+          </a:lnRef>
+          <a:fillRef idx="0">
+            <a:schemeClr val="accent1"/>
+          </a:fillRef>
+          <a:effectRef idx="0">
+            <a:schemeClr val="accent1"/>
+          </a:effectRef>
+          <a:fontRef idx="minor">
+            <a:schemeClr val="tx1"/>
+          </a:fontRef>
+        </p:style>
+      </p:cxnSp>
+      <p:sp>
+        <p:nvSpPr>
+          <p:cNvPr id="16" name="正方形/長方形 15"/>
+          <p:cNvSpPr/>
+          <p:nvPr/>
+        </p:nvSpPr>
+        <p:spPr>
+          <a:xfrm>
+            <a:off x="2204120" y="4077072"/>
+            <a:ext cx="4456112" cy="1944216"/>
+          </a:xfrm>
+          <a:prstGeom prst="rect">
+            <a:avLst/>
+          </a:prstGeom>
+        </p:spPr>
+        <p:style>
+          <a:lnRef idx="2">
+            <a:schemeClr val="accent1">
+              <a:shade val="50000"/>
+            </a:schemeClr>
+          </a:lnRef>
+          <a:fillRef idx="1">
+            <a:schemeClr val="accent1"/>
+          </a:fillRef>
+          <a:effectRef idx="0">
+            <a:schemeClr val="accent1"/>
+          </a:effectRef>
+          <a:fontRef idx="minor">
+            <a:schemeClr val="lt1"/>
+          </a:fontRef>
+        </p:style>
+        <p:txBody>
+          <a:bodyPr rtlCol="0" anchor="ctr"/>
+          <a:lstStyle/>
+          <a:p>
+            <a:pPr algn="ctr"/>
+            <a:r>
+              <a:rPr kumimoji="1" lang="ja-JP" altLang="en-US" dirty="0" smtClean="0"/>
+              <a:t>法線とレイの内積をとって</a:t>
+            </a:r>
+            <a:endParaRPr kumimoji="1" lang="en-US" altLang="ja-JP" dirty="0" smtClean="0"/>
+          </a:p>
+          <a:p>
+            <a:pPr algn="ctr"/>
+            <a:r>
+              <a:rPr kumimoji="1" lang="ja-JP" altLang="en-US" dirty="0" smtClean="0"/>
+              <a:t>同じ方向の場合は</a:t>
+            </a:r>
+            <a:endParaRPr kumimoji="1" lang="en-US" altLang="ja-JP" dirty="0" smtClean="0"/>
+          </a:p>
+          <a:p>
+            <a:pPr algn="ctr"/>
+            <a:r>
+              <a:rPr kumimoji="1" lang="ja-JP" altLang="en-US" dirty="0" smtClean="0"/>
+              <a:t>ヒットしていないようにする</a:t>
+            </a:r>
+            <a:endParaRPr kumimoji="1" lang="en-US" altLang="ja-JP" dirty="0" smtClean="0"/>
+          </a:p>
+          <a:p>
+            <a:pPr algn="ctr"/>
+            <a:endParaRPr lang="en-US" altLang="ja-JP" dirty="0"/>
+          </a:p>
+          <a:p>
+            <a:pPr algn="ctr"/>
+            <a:r>
+              <a:rPr kumimoji="1" lang="ja-JP" altLang="en-US" dirty="0" smtClean="0"/>
+              <a:t>本来なら、表面、裏面の２レイヤーに</a:t>
+            </a:r>
+            <a:endParaRPr kumimoji="1" lang="en-US" altLang="ja-JP" dirty="0" smtClean="0"/>
+          </a:p>
+          <a:p>
+            <a:pPr algn="ctr"/>
+            <a:r>
+              <a:rPr kumimoji="1" lang="ja-JP" altLang="en-US" dirty="0" smtClean="0"/>
+              <a:t>するべきか</a:t>
+            </a:r>
+            <a:r>
+              <a:rPr kumimoji="1" lang="ja-JP" altLang="en-US" dirty="0" err="1" smtClean="0"/>
+              <a:t>も</a:t>
+            </a:r>
+            <a:endParaRPr kumimoji="1" lang="en-US" altLang="ja-JP" dirty="0" smtClean="0"/>
+          </a:p>
+        </p:txBody>
+      </p:sp>
+    </p:spTree>
+    <p:extLst>
+      <p:ext uri="{BB962C8B-B14F-4D97-AF65-F5344CB8AC3E}">
+        <p14:creationId xmlns:p14="http://schemas.microsoft.com/office/powerpoint/2010/main" val="146014800"/>
+      </p:ext>
+    </p:extLst>
+  </p:cSld>
+  <p:clrMapOvr>
+    <a:masterClrMapping/>
+  </p:clrMapOvr>
+</p:sld>
+</file>
+
+<file path=ppt/slides/slide11.xml><?xml version="1.0" encoding="utf-8"?>
+<p:sld xmlns:a="http://schemas.openxmlformats.org/drawingml/2006/main" xmlns:r="http://schemas.openxmlformats.org/officeDocument/2006/relationships" xmlns:p="http://schemas.openxmlformats.org/presentationml/2006/main">
+  <p:cSld>
+    <p:spTree>
+      <p:nvGrpSpPr>
+        <p:cNvPr id="1" name=""/>
+        <p:cNvGrpSpPr/>
+        <p:nvPr/>
+      </p:nvGrpSpPr>
+      <p:grpSpPr>
+        <a:xfrm>
+          <a:off x="0" y="0"/>
+          <a:ext cx="0" cy="0"/>
+          <a:chOff x="0" y="0"/>
+          <a:chExt cx="0" cy="0"/>
+        </a:xfrm>
+      </p:grpSpPr>
+      <p:sp>
+        <p:nvSpPr>
+          <p:cNvPr id="2" name="タイトル 1"/>
+          <p:cNvSpPr>
+            <a:spLocks noGrp="1"/>
+          </p:cNvSpPr>
+          <p:nvPr>
+            <p:ph type="title"/>
+          </p:nvPr>
+        </p:nvSpPr>
+        <p:spPr/>
+        <p:txBody>
+          <a:bodyPr/>
+          <a:lstStyle/>
+          <a:p>
+            <a:r>
+              <a:rPr lang="ja-JP" altLang="en-US" dirty="0"/>
+              <a:t>問題になりそうな個所</a:t>
+            </a:r>
+            <a:endParaRPr kumimoji="1" lang="ja-JP" altLang="en-US" dirty="0"/>
+          </a:p>
+        </p:txBody>
+      </p:sp>
+      <p:sp>
+        <p:nvSpPr>
+          <p:cNvPr id="3" name="コンテンツ プレースホルダー 2"/>
+          <p:cNvSpPr>
+            <a:spLocks noGrp="1"/>
+          </p:cNvSpPr>
+          <p:nvPr>
+            <p:ph idx="1"/>
+          </p:nvPr>
+        </p:nvSpPr>
+        <p:spPr/>
+        <p:txBody>
+          <a:bodyPr/>
+          <a:lstStyle/>
+          <a:p>
+            <a:r>
+              <a:rPr kumimoji="1" lang="en-US" altLang="ja-JP" dirty="0" smtClean="0"/>
+              <a:t>Refraction</a:t>
+            </a:r>
+            <a:r>
+              <a:rPr kumimoji="1" lang="ja-JP" altLang="en-US" dirty="0" smtClean="0"/>
+              <a:t>マテリアルの物体から発生するレイについては、レイが突き抜けるので</a:t>
+            </a:r>
+            <a:r>
+              <a:rPr kumimoji="1" lang="en-US" altLang="ja-JP" dirty="0" smtClean="0"/>
+              <a:t>SSR</a:t>
+            </a:r>
+            <a:r>
+              <a:rPr kumimoji="1" lang="ja-JP" altLang="en-US" dirty="0" smtClean="0"/>
+              <a:t>で処理しない</a:t>
+            </a:r>
+            <a:endParaRPr kumimoji="1" lang="en-US" altLang="ja-JP" dirty="0" smtClean="0"/>
+          </a:p>
+          <a:p>
+            <a:endParaRPr kumimoji="1" lang="en-US" altLang="ja-JP" dirty="0" smtClean="0"/>
+          </a:p>
+          <a:p>
+            <a:endParaRPr kumimoji="1" lang="ja-JP" altLang="en-US" dirty="0"/>
+          </a:p>
+        </p:txBody>
+      </p:sp>
+    </p:spTree>
+    <p:extLst>
+      <p:ext uri="{BB962C8B-B14F-4D97-AF65-F5344CB8AC3E}">
+        <p14:creationId xmlns:p14="http://schemas.microsoft.com/office/powerpoint/2010/main" val="557850700"/>
+      </p:ext>
+    </p:extLst>
+  </p:cSld>
+  <p:clrMapOvr>
+    <a:masterClrMapping/>
+  </p:clrMapOvr>
+</p:sld>
+</file>
+
 <file path=ppt/slides/slide2.xml><?xml version="1.0" encoding="utf-8"?>
 <p:sld xmlns:a="http://schemas.openxmlformats.org/drawingml/2006/main" xmlns:r="http://schemas.openxmlformats.org/officeDocument/2006/relationships" xmlns:p="http://schemas.openxmlformats.org/presentationml/2006/main">
   <p:cSld>
@@ -4855,9 +5367,16 @@
             <p:ph idx="1"/>
           </p:nvPr>
         </p:nvSpPr>
-        <p:spPr/>
-        <p:txBody>
-          <a:bodyPr/>
+        <p:spPr>
+          <a:xfrm>
+            <a:off x="457200" y="1600200"/>
+            <a:ext cx="8229600" cy="4997152"/>
+          </a:xfrm>
+        </p:spPr>
+        <p:txBody>
+          <a:bodyPr>
+            <a:normAutofit fontScale="85000" lnSpcReduction="20000"/>
+          </a:bodyPr>
           <a:lstStyle/>
           <a:p>
             <a:r>
@@ -4877,22 +5396,269 @@
           <a:p>
             <a:pPr lvl="1"/>
             <a:r>
-              <a:rPr lang="ja-JP" altLang="en-US" dirty="0" smtClean="0"/>
+              <a:rPr lang="ja-JP" altLang="en-US" strike="sngStrike" dirty="0" smtClean="0"/>
               <a:t>レイマーチングスタディ＆試作</a:t>
             </a:r>
-            <a:endParaRPr lang="en-US" altLang="ja-JP" dirty="0" smtClean="0"/>
+            <a:endParaRPr lang="en-US" altLang="ja-JP" strike="sngStrike" dirty="0" smtClean="0"/>
           </a:p>
           <a:p>
             <a:pPr lvl="2"/>
             <a:r>
-              <a:rPr lang="en-US" altLang="ja-JP" dirty="0" err="1" smtClean="0"/>
+              <a:rPr lang="en-US" altLang="ja-JP" strike="sngStrike" dirty="0" err="1" smtClean="0"/>
               <a:t>ScreenSpaceReflection</a:t>
             </a:r>
             <a:r>
-              <a:rPr lang="ja-JP" altLang="en-US" dirty="0" smtClean="0"/>
+              <a:rPr lang="ja-JP" altLang="en-US" strike="sngStrike" dirty="0" smtClean="0"/>
               <a:t>を実装してみる</a:t>
             </a:r>
-            <a:endParaRPr lang="en-US" altLang="ja-JP" dirty="0" smtClean="0"/>
+            <a:endParaRPr lang="en-US" altLang="ja-JP" strike="sngStrike" dirty="0" smtClean="0"/>
+          </a:p>
+          <a:p>
+            <a:pPr lvl="1"/>
+            <a:r>
+              <a:rPr lang="ja-JP" altLang="en-US" strike="sngStrike" dirty="0"/>
+              <a:t>１</a:t>
+            </a:r>
+            <a:r>
+              <a:rPr lang="ja-JP" altLang="en-US" strike="sngStrike" dirty="0" smtClean="0"/>
+              <a:t>バウンス目をまじめに</a:t>
+            </a:r>
+            <a:r>
+              <a:rPr lang="en-US" altLang="ja-JP" strike="sngStrike" dirty="0" smtClean="0"/>
+              <a:t>SSR</a:t>
+            </a:r>
+            <a:r>
+              <a:rPr lang="ja-JP" altLang="en-US" strike="sngStrike" dirty="0" smtClean="0"/>
+              <a:t>で計算して</a:t>
+            </a:r>
+            <a:r>
+              <a:rPr lang="ja-JP" altLang="en-US" strike="sngStrike" dirty="0" smtClean="0"/>
+              <a:t>みる</a:t>
+            </a:r>
+            <a:endParaRPr lang="en-US" altLang="ja-JP" strike="sngStrike" dirty="0" smtClean="0"/>
+          </a:p>
+          <a:p>
+            <a:pPr lvl="2"/>
+            <a:r>
+              <a:rPr lang="en-US" altLang="ja-JP" dirty="0" err="1" smtClean="0">
+                <a:solidFill>
+                  <a:srgbClr val="FF0000"/>
+                </a:solidFill>
+              </a:rPr>
+              <a:t>csOrig</a:t>
+            </a:r>
+            <a:r>
+              <a:rPr lang="ja-JP" altLang="en-US" dirty="0" smtClean="0">
+                <a:solidFill>
+                  <a:srgbClr val="FF0000"/>
+                </a:solidFill>
+              </a:rPr>
+              <a:t>が</a:t>
+            </a:r>
+            <a:r>
+              <a:rPr lang="en-US" altLang="ja-JP" dirty="0" err="1" smtClean="0">
+                <a:solidFill>
+                  <a:srgbClr val="FF0000"/>
+                </a:solidFill>
+              </a:rPr>
+              <a:t>ViewVolume</a:t>
+            </a:r>
+            <a:r>
+              <a:rPr lang="ja-JP" altLang="en-US" dirty="0" smtClean="0">
+                <a:solidFill>
+                  <a:srgbClr val="FF0000"/>
+                </a:solidFill>
+              </a:rPr>
+              <a:t>内に入っていないといけないが</a:t>
+            </a:r>
+            <a:r>
+              <a:rPr lang="en-US" altLang="ja-JP" dirty="0" smtClean="0">
+                <a:solidFill>
+                  <a:srgbClr val="FF0000"/>
+                </a:solidFill>
+              </a:rPr>
+              <a:t/>
+            </a:r>
+            <a:br>
+              <a:rPr lang="en-US" altLang="ja-JP" dirty="0" smtClean="0">
+                <a:solidFill>
+                  <a:srgbClr val="FF0000"/>
+                </a:solidFill>
+              </a:rPr>
+            </a:br>
+            <a:r>
+              <a:rPr lang="en-US" altLang="ja-JP" dirty="0" smtClean="0">
+                <a:solidFill>
+                  <a:srgbClr val="FF0000"/>
+                </a:solidFill>
+              </a:rPr>
+              <a:t>1</a:t>
+            </a:r>
+            <a:r>
+              <a:rPr lang="ja-JP" altLang="en-US" dirty="0" smtClean="0">
+                <a:solidFill>
+                  <a:srgbClr val="FF0000"/>
+                </a:solidFill>
+              </a:rPr>
+              <a:t>バウンス目はカメラ原点からなので、</a:t>
+            </a:r>
+            <a:r>
+              <a:rPr lang="en-US" altLang="ja-JP" dirty="0" err="1" smtClean="0">
+                <a:solidFill>
+                  <a:srgbClr val="FF0000"/>
+                </a:solidFill>
+              </a:rPr>
+              <a:t>ViewVolume</a:t>
+            </a:r>
+            <a:r>
+              <a:rPr lang="ja-JP" altLang="en-US" dirty="0" smtClean="0">
+                <a:solidFill>
+                  <a:srgbClr val="FF0000"/>
+                </a:solidFill>
+              </a:rPr>
+              <a:t>内に入っていないため、そもそも計算できない</a:t>
+            </a:r>
+            <a:endParaRPr lang="en-US" altLang="ja-JP" dirty="0" smtClean="0">
+              <a:solidFill>
+                <a:srgbClr val="FF0000"/>
+              </a:solidFill>
+            </a:endParaRPr>
+          </a:p>
+          <a:p>
+            <a:pPr lvl="2"/>
+            <a:r>
+              <a:rPr lang="en-US" altLang="ja-JP" dirty="0">
+                <a:solidFill>
+                  <a:srgbClr val="FF0000"/>
+                </a:solidFill>
+              </a:rPr>
+              <a:t>3</a:t>
+            </a:r>
+            <a:r>
+              <a:rPr lang="ja-JP" altLang="en-US" dirty="0" smtClean="0">
+                <a:solidFill>
+                  <a:srgbClr val="FF0000"/>
+                </a:solidFill>
+              </a:rPr>
+              <a:t>バウンス目以降の場合レイの始点が</a:t>
+            </a:r>
+            <a:r>
+              <a:rPr lang="en-US" altLang="ja-JP" dirty="0" err="1" smtClean="0">
+                <a:solidFill>
+                  <a:srgbClr val="FF0000"/>
+                </a:solidFill>
+              </a:rPr>
+              <a:t>ViewVolume</a:t>
+            </a:r>
+            <a:r>
+              <a:rPr lang="ja-JP" altLang="en-US" dirty="0" smtClean="0">
+                <a:solidFill>
+                  <a:srgbClr val="FF0000"/>
+                </a:solidFill>
+              </a:rPr>
+              <a:t>内に入っているかテストしないといけない</a:t>
+            </a:r>
+            <a:endParaRPr lang="en-US" altLang="ja-JP" dirty="0" smtClean="0">
+              <a:solidFill>
+                <a:srgbClr val="FF0000"/>
+              </a:solidFill>
+            </a:endParaRPr>
+          </a:p>
+          <a:p>
+            <a:pPr lvl="3"/>
+            <a:r>
+              <a:rPr lang="ja-JP" altLang="en-US" dirty="0" smtClean="0">
+                <a:solidFill>
+                  <a:srgbClr val="FF0000"/>
+                </a:solidFill>
+              </a:rPr>
+              <a:t>１バウンス目のレイのヒット位置は必ずスクリーン内にあるので、</a:t>
+            </a:r>
+            <a:r>
+              <a:rPr lang="en-US" altLang="ja-JP" dirty="0" smtClean="0">
+                <a:solidFill>
+                  <a:srgbClr val="FF0000"/>
+                </a:solidFill>
+              </a:rPr>
+              <a:t>2</a:t>
+            </a:r>
+            <a:r>
+              <a:rPr lang="ja-JP" altLang="en-US" dirty="0" smtClean="0">
+                <a:solidFill>
+                  <a:srgbClr val="FF0000"/>
+                </a:solidFill>
+              </a:rPr>
+              <a:t>バウンス目のレイの始点も必ずスクリーン内にある</a:t>
+            </a:r>
+            <a:endParaRPr lang="en-US" altLang="ja-JP" dirty="0" smtClean="0">
+              <a:solidFill>
+                <a:srgbClr val="FF0000"/>
+              </a:solidFill>
+            </a:endParaRPr>
+          </a:p>
+          <a:p>
+            <a:pPr lvl="3"/>
+            <a:r>
+              <a:rPr lang="ja-JP" altLang="en-US" dirty="0" smtClean="0">
+                <a:solidFill>
+                  <a:srgbClr val="FF0000"/>
+                </a:solidFill>
+              </a:rPr>
+              <a:t>つまり、</a:t>
+            </a:r>
+            <a:r>
+              <a:rPr lang="en-US" altLang="ja-JP" dirty="0" err="1" smtClean="0">
+                <a:solidFill>
+                  <a:srgbClr val="FF0000"/>
+                </a:solidFill>
+              </a:rPr>
+              <a:t>ViewVolume</a:t>
+            </a:r>
+            <a:r>
+              <a:rPr lang="ja-JP" altLang="en-US" dirty="0" smtClean="0">
+                <a:solidFill>
+                  <a:srgbClr val="FF0000"/>
+                </a:solidFill>
+              </a:rPr>
+              <a:t>内に入っている</a:t>
+            </a:r>
+            <a:endParaRPr lang="en-US" altLang="ja-JP" dirty="0" smtClean="0">
+              <a:solidFill>
+                <a:srgbClr val="FF0000"/>
+              </a:solidFill>
+            </a:endParaRPr>
+          </a:p>
+          <a:p>
+            <a:pPr lvl="3"/>
+            <a:r>
+              <a:rPr lang="ja-JP" altLang="en-US" dirty="0" smtClean="0">
+                <a:solidFill>
+                  <a:srgbClr val="FF0000"/>
+                </a:solidFill>
+              </a:rPr>
+              <a:t>そのため、</a:t>
+            </a:r>
+            <a:r>
+              <a:rPr lang="en-US" altLang="ja-JP" dirty="0" smtClean="0">
+                <a:solidFill>
+                  <a:srgbClr val="FF0000"/>
+                </a:solidFill>
+              </a:rPr>
+              <a:t>3</a:t>
+            </a:r>
+            <a:r>
+              <a:rPr lang="ja-JP" altLang="en-US" dirty="0" smtClean="0">
+                <a:solidFill>
+                  <a:srgbClr val="FF0000"/>
+                </a:solidFill>
+              </a:rPr>
+              <a:t>バウンス目以降についてのみテストすればいいはず</a:t>
+            </a:r>
+            <a:endParaRPr lang="en-US" altLang="ja-JP" dirty="0" smtClean="0">
+              <a:solidFill>
+                <a:srgbClr val="FF0000"/>
+              </a:solidFill>
+            </a:endParaRPr>
           </a:p>
           <a:p>
             <a:pPr lvl="1"/>
